--- a/documentation/Presentation/Team 31 Presentation_Rough Draft.pptx
+++ b/documentation/Presentation/Team 31 Presentation_Rough Draft.pptx
@@ -5,25 +5,26 @@
     <p:sldMasterId id="2147483648" r:id="rId1"/>
   </p:sldMasterIdLst>
   <p:notesMasterIdLst>
-    <p:notesMasterId r:id="rId18"/>
+    <p:notesMasterId r:id="rId19"/>
   </p:notesMasterIdLst>
   <p:sldIdLst>
     <p:sldId id="256" r:id="rId2"/>
     <p:sldId id="258" r:id="rId3"/>
     <p:sldId id="268" r:id="rId4"/>
     <p:sldId id="263" r:id="rId5"/>
-    <p:sldId id="267" r:id="rId6"/>
-    <p:sldId id="269" r:id="rId7"/>
-    <p:sldId id="270" r:id="rId8"/>
-    <p:sldId id="264" r:id="rId9"/>
-    <p:sldId id="271" r:id="rId10"/>
-    <p:sldId id="272" r:id="rId11"/>
-    <p:sldId id="259" r:id="rId12"/>
-    <p:sldId id="260" r:id="rId13"/>
-    <p:sldId id="261" r:id="rId14"/>
-    <p:sldId id="266" r:id="rId15"/>
-    <p:sldId id="265" r:id="rId16"/>
-    <p:sldId id="262" r:id="rId17"/>
+    <p:sldId id="273" r:id="rId6"/>
+    <p:sldId id="267" r:id="rId7"/>
+    <p:sldId id="269" r:id="rId8"/>
+    <p:sldId id="270" r:id="rId9"/>
+    <p:sldId id="264" r:id="rId10"/>
+    <p:sldId id="271" r:id="rId11"/>
+    <p:sldId id="272" r:id="rId12"/>
+    <p:sldId id="259" r:id="rId13"/>
+    <p:sldId id="260" r:id="rId14"/>
+    <p:sldId id="261" r:id="rId15"/>
+    <p:sldId id="266" r:id="rId16"/>
+    <p:sldId id="265" r:id="rId17"/>
+    <p:sldId id="262" r:id="rId18"/>
   </p:sldIdLst>
   <p:sldSz cx="13004800" cy="9753600"/>
   <p:notesSz cx="6858000" cy="9144000"/>
@@ -661,168 +662,14 @@
             <a:pPr marL="457200" indent="-457200">
               <a:buAutoNum type="arabicParenR"/>
             </a:pPr>
-            <a:r>
-              <a:rPr lang="en-IN" dirty="0"/>
-              <a:t>Patent summarization – PDF – with Link </a:t>
-            </a:r>
-          </a:p>
-          <a:p>
-            <a:pPr marL="457200" marR="0" lvl="0" indent="-457200" defTabSz="457200" eaLnBrk="1" fontAlgn="auto" latinLnBrk="0" hangingPunct="1">
-              <a:lnSpc>
-                <a:spcPct val="117999"/>
-              </a:lnSpc>
-              <a:spcBef>
-                <a:spcPts val="0"/>
-              </a:spcBef>
-              <a:spcAft>
-                <a:spcPts val="0"/>
-              </a:spcAft>
-              <a:buClrTx/>
-              <a:buSzTx/>
-              <a:buFontTx/>
-              <a:buAutoNum type="arabicParenR"/>
-              <a:tabLst/>
-              <a:defRPr/>
-            </a:pPr>
-            <a:r>
-              <a:rPr lang="en-IN" dirty="0"/>
-              <a:t>https://aclweb.org/anthology/C18-1244 - </a:t>
-            </a:r>
-            <a:r>
-              <a:rPr lang="en-IN" sz="2200" dirty="0" err="1">
-                <a:effectLst/>
-                <a:latin typeface="Helvetica Neue"/>
-                <a:ea typeface="Helvetica Neue"/>
-                <a:cs typeface="Helvetica Neue"/>
-                <a:sym typeface="Helvetica Neue"/>
-              </a:rPr>
-              <a:t>Folksonomication</a:t>
-            </a:r>
-            <a:r>
-              <a:rPr lang="en-IN" sz="2200" dirty="0">
-                <a:effectLst/>
-                <a:latin typeface="Helvetica Neue"/>
-                <a:ea typeface="Helvetica Neue"/>
-                <a:cs typeface="Helvetica Neue"/>
-                <a:sym typeface="Helvetica Neue"/>
-              </a:rPr>
-              <a:t>: Predicting Tags for Movies from Plot Synopses Using</a:t>
-            </a:r>
             <a:endParaRPr lang="en-IN" dirty="0"/>
-          </a:p>
-          <a:p>
-            <a:pPr marL="457200" indent="-457200">
-              <a:buAutoNum type="arabicParenR"/>
-            </a:pPr>
-            <a:r>
-              <a:rPr lang="en-IN" sz="2200" b="0" i="0" u="none" strike="noStrike" baseline="0" dirty="0">
-                <a:latin typeface="Helvetica Neue"/>
-                <a:ea typeface="Helvetica Neue"/>
-                <a:cs typeface="Helvetica Neue"/>
-                <a:sym typeface="Helvetica Neue"/>
-              </a:rPr>
-              <a:t>Predicting Movie Genres Based on Plot Summaries – Actual Paper Given in Problem Statement</a:t>
-            </a:r>
-          </a:p>
-          <a:p>
-            <a:pPr marL="457200" indent="-457200">
-              <a:buAutoNum type="arabicParenR"/>
-            </a:pPr>
-            <a:r>
-              <a:rPr lang="en-US" dirty="0"/>
-              <a:t>https://stats.stackexchange.com/questions/301626/interpreting-rouge-scores – Why Rogue Scores</a:t>
-            </a:r>
-          </a:p>
-          <a:p>
-            <a:pPr marL="457200" indent="-457200">
-              <a:buAutoNum type="arabicParenR"/>
-            </a:pPr>
-            <a:r>
-              <a:rPr lang="en-US" dirty="0"/>
-              <a:t>https://towardsdatascience.com/seq2seq-model-in-tensorflow-ec0c557e560f  - Sequence to Sequence Model Explanation </a:t>
-            </a:r>
-          </a:p>
-          <a:p>
-            <a:pPr marL="457200" indent="-457200">
-              <a:buAutoNum type="arabicParenR"/>
-            </a:pPr>
-            <a:r>
-              <a:rPr lang="en-IN" dirty="0"/>
-              <a:t>Data Set – Credits to that Kaggle Data set SRC and author</a:t>
-            </a:r>
-          </a:p>
-          <a:p>
-            <a:pPr marL="457200" indent="-457200">
-              <a:buAutoNum type="arabicParenR"/>
-            </a:pPr>
-            <a:r>
-              <a:rPr lang="en-IN" dirty="0"/>
-              <a:t>Credits for anything else ? </a:t>
-            </a:r>
-          </a:p>
-          <a:p>
-            <a:pPr marL="0" lvl="1" indent="0">
-              <a:buNone/>
-            </a:pPr>
-            <a:r>
-              <a:rPr lang="en-IN" dirty="0"/>
-              <a:t>	</a:t>
-            </a:r>
-          </a:p>
-          <a:p>
-            <a:pPr marL="457200" indent="-457200">
-              <a:buAutoNum type="arabicParenR"/>
-            </a:pPr>
-            <a:endParaRPr lang="en-IN" dirty="0"/>
-          </a:p>
-          <a:p>
-            <a:pPr marL="457200" indent="-457200">
-              <a:buAutoNum type="arabicParenR"/>
-            </a:pPr>
-            <a:endParaRPr lang="en-IN" dirty="0"/>
-          </a:p>
-          <a:p>
-            <a:pPr marL="457200" indent="-457200">
-              <a:buAutoNum type="arabicParenR"/>
-            </a:pPr>
-            <a:r>
-              <a:rPr lang="en-IN" dirty="0"/>
-              <a:t>Other Links </a:t>
-            </a:r>
-          </a:p>
-          <a:p>
-            <a:pPr marL="457200" indent="-457200">
-              <a:buAutoNum type="arabicParenR"/>
-            </a:pPr>
-            <a:r>
-              <a:rPr lang="en-IN" dirty="0"/>
-              <a:t>GIT HUB - https://github.com/JRC1995/Abstractive-Summarization/blob/master/README.md </a:t>
-            </a:r>
-          </a:p>
-          <a:p>
-            <a:pPr marL="457200" indent="-457200">
-              <a:buAutoNum type="arabicParenR"/>
-            </a:pPr>
-            <a:r>
-              <a:rPr lang="en-IN" dirty="0"/>
-              <a:t>Number Batch GIT HUB -  ? </a:t>
-            </a:r>
-          </a:p>
-          <a:p>
-            <a:pPr marL="457200" indent="-457200">
-              <a:buAutoNum type="arabicParenR"/>
-            </a:pPr>
-            <a:r>
-              <a:rPr lang="en-IN" dirty="0"/>
-              <a:t>https://nlp.stanford.edu/projects/glove/</a:t>
-            </a:r>
           </a:p>
         </p:txBody>
       </p:sp>
     </p:spTree>
     <p:extLst>
       <p:ext uri="{BB962C8B-B14F-4D97-AF65-F5344CB8AC3E}">
-        <p14:creationId xmlns:p14="http://schemas.microsoft.com/office/powerpoint/2010/main" val="2842625236"/>
+        <p14:creationId xmlns:p14="http://schemas.microsoft.com/office/powerpoint/2010/main" val="808070979"/>
       </p:ext>
     </p:extLst>
   </p:cSld>
@@ -879,161 +726,71 @@
             <a:pPr marL="457200" indent="-457200">
               <a:buAutoNum type="arabicParenR"/>
             </a:pPr>
-            <a:r>
-              <a:rPr lang="en-IN" dirty="0"/>
-              <a:t>Patent summarization – PDF – with Link </a:t>
-            </a:r>
-          </a:p>
-          <a:p>
-            <a:pPr marL="457200" marR="0" lvl="0" indent="-457200" defTabSz="457200" eaLnBrk="1" fontAlgn="auto" latinLnBrk="0" hangingPunct="1">
-              <a:lnSpc>
-                <a:spcPct val="117999"/>
-              </a:lnSpc>
-              <a:spcBef>
-                <a:spcPts val="0"/>
-              </a:spcBef>
-              <a:spcAft>
-                <a:spcPts val="0"/>
-              </a:spcAft>
-              <a:buClrTx/>
-              <a:buSzTx/>
-              <a:buFontTx/>
-              <a:buAutoNum type="arabicParenR"/>
-              <a:tabLst/>
-              <a:defRPr/>
-            </a:pPr>
-            <a:r>
-              <a:rPr lang="en-IN" dirty="0"/>
-              <a:t>https://aclweb.org/anthology/C18-1244 - </a:t>
-            </a:r>
-            <a:r>
-              <a:rPr lang="en-IN" sz="2200" dirty="0" err="1">
-                <a:effectLst/>
-                <a:latin typeface="Helvetica Neue"/>
-                <a:ea typeface="Helvetica Neue"/>
-                <a:cs typeface="Helvetica Neue"/>
-                <a:sym typeface="Helvetica Neue"/>
-              </a:rPr>
-              <a:t>Folksonomication</a:t>
-            </a:r>
-            <a:r>
-              <a:rPr lang="en-IN" sz="2200" dirty="0">
-                <a:effectLst/>
-                <a:latin typeface="Helvetica Neue"/>
-                <a:ea typeface="Helvetica Neue"/>
-                <a:cs typeface="Helvetica Neue"/>
-                <a:sym typeface="Helvetica Neue"/>
-              </a:rPr>
-              <a:t>: Predicting Tags for Movies from Plot Synopses Using</a:t>
-            </a:r>
             <a:endParaRPr lang="en-IN" dirty="0"/>
           </a:p>
-          <a:p>
-            <a:pPr marL="457200" indent="-457200">
-              <a:buAutoNum type="arabicParenR"/>
-            </a:pPr>
-            <a:r>
-              <a:rPr lang="en-IN" sz="2200" b="0" i="0" u="none" strike="noStrike" baseline="0" dirty="0">
-                <a:latin typeface="Helvetica Neue"/>
-                <a:ea typeface="Helvetica Neue"/>
-                <a:cs typeface="Helvetica Neue"/>
-                <a:sym typeface="Helvetica Neue"/>
-              </a:rPr>
-              <a:t>Predicting Movie Genres Based on Plot Summaries – Actual Paper Given in Problem Statement</a:t>
-            </a:r>
-          </a:p>
-          <a:p>
-            <a:pPr marL="457200" indent="-457200">
-              <a:buAutoNum type="arabicParenR"/>
-            </a:pPr>
-            <a:r>
-              <a:rPr lang="en-US" dirty="0"/>
-              <a:t>https://stats.stackexchange.com/questions/301626/interpreting-rouge-scores – Why Rogue Scores</a:t>
-            </a:r>
-          </a:p>
-          <a:p>
-            <a:pPr marL="457200" indent="-457200">
-              <a:buAutoNum type="arabicParenR"/>
-            </a:pPr>
-            <a:r>
-              <a:rPr lang="en-US" dirty="0"/>
-              <a:t>https://towardsdatascience.com/seq2seq-model-in-tensorflow-ec0c557e560f  - Sequence to Sequence Model Explanation </a:t>
-            </a:r>
-          </a:p>
-          <a:p>
-            <a:pPr marL="457200" indent="-457200">
-              <a:buAutoNum type="arabicParenR"/>
-            </a:pPr>
-            <a:r>
-              <a:rPr lang="en-IN" dirty="0"/>
-              <a:t>Data Set – Credits to that Kaggle Data set SRC and author</a:t>
-            </a:r>
-          </a:p>
-          <a:p>
-            <a:pPr marL="457200" indent="-457200">
-              <a:buAutoNum type="arabicParenR"/>
-            </a:pPr>
-            <a:r>
-              <a:rPr lang="en-IN" dirty="0"/>
-              <a:t>Credits for anything else ? </a:t>
-            </a:r>
-          </a:p>
-          <a:p>
-            <a:pPr marL="0" lvl="1" indent="0">
+        </p:txBody>
+      </p:sp>
+    </p:spTree>
+    <p:extLst>
+      <p:ext uri="{BB962C8B-B14F-4D97-AF65-F5344CB8AC3E}">
+        <p14:creationId xmlns:p14="http://schemas.microsoft.com/office/powerpoint/2010/main" val="2842625236"/>
+      </p:ext>
+    </p:extLst>
+  </p:cSld>
+  <p:clrMapOvr>
+    <a:masterClrMapping/>
+  </p:clrMapOvr>
+</p:notes>
+</file>
+
+<file path=ppt/notesSlides/notesSlide12.xml><?xml version="1.0" encoding="utf-8"?>
+<p:notes xmlns:a="http://schemas.openxmlformats.org/drawingml/2006/main" xmlns:r="http://schemas.openxmlformats.org/officeDocument/2006/relationships" xmlns:p="http://schemas.openxmlformats.org/presentationml/2006/main">
+  <p:cSld>
+    <p:spTree>
+      <p:nvGrpSpPr>
+        <p:cNvPr id="1" name=""/>
+        <p:cNvGrpSpPr/>
+        <p:nvPr/>
+      </p:nvGrpSpPr>
+      <p:grpSpPr>
+        <a:xfrm>
+          <a:off x="0" y="0"/>
+          <a:ext cx="0" cy="0"/>
+          <a:chOff x="0" y="0"/>
+          <a:chExt cx="0" cy="0"/>
+        </a:xfrm>
+      </p:grpSpPr>
+      <p:sp>
+        <p:nvSpPr>
+          <p:cNvPr id="2" name="Slide Image Placeholder 1"/>
+          <p:cNvSpPr>
+            <a:spLocks noGrp="1" noRot="1" noChangeAspect="1"/>
+          </p:cNvSpPr>
+          <p:nvPr>
+            <p:ph type="sldImg"/>
+          </p:nvPr>
+        </p:nvSpPr>
+        <p:spPr/>
+      </p:sp>
+      <p:sp>
+        <p:nvSpPr>
+          <p:cNvPr id="3" name="Notes Placeholder 2"/>
+          <p:cNvSpPr>
+            <a:spLocks noGrp="1"/>
+          </p:cNvSpPr>
+          <p:nvPr>
+            <p:ph type="body" idx="1"/>
+          </p:nvPr>
+        </p:nvSpPr>
+        <p:spPr/>
+        <p:txBody>
+          <a:bodyPr/>
+          <a:lstStyle/>
+          <a:p>
+            <a:pPr marL="0" indent="0">
               <a:buNone/>
             </a:pPr>
-            <a:r>
-              <a:rPr lang="en-IN" dirty="0"/>
-              <a:t>	</a:t>
-            </a:r>
-          </a:p>
-          <a:p>
-            <a:pPr marL="457200" indent="-457200">
-              <a:buAutoNum type="arabicParenR"/>
-            </a:pPr>
             <a:endParaRPr lang="en-IN" dirty="0"/>
-          </a:p>
-          <a:p>
-            <a:pPr marL="457200" indent="-457200">
-              <a:buAutoNum type="arabicParenR"/>
-            </a:pPr>
-            <a:endParaRPr lang="en-IN" dirty="0"/>
-          </a:p>
-          <a:p>
-            <a:pPr marL="457200" indent="-457200">
-              <a:buAutoNum type="arabicParenR"/>
-            </a:pPr>
-            <a:r>
-              <a:rPr lang="en-IN" dirty="0"/>
-              <a:t>Other Links </a:t>
-            </a:r>
-          </a:p>
-          <a:p>
-            <a:pPr marL="457200" indent="-457200">
-              <a:buAutoNum type="arabicParenR"/>
-            </a:pPr>
-            <a:r>
-              <a:rPr lang="en-IN" dirty="0"/>
-              <a:t>GIT HUB - https://github.com/JRC1995/Abstractive-Summarization/blob/master/README.md </a:t>
-            </a:r>
-          </a:p>
-          <a:p>
-            <a:pPr marL="457200" indent="-457200">
-              <a:buAutoNum type="arabicParenR"/>
-            </a:pPr>
-            <a:r>
-              <a:rPr lang="en-IN" dirty="0"/>
-              <a:t>Number Batch GIT HUB -  ? </a:t>
-            </a:r>
-          </a:p>
-          <a:p>
-            <a:pPr marL="457200" indent="-457200">
-              <a:buAutoNum type="arabicParenR"/>
-            </a:pPr>
-            <a:r>
-              <a:rPr lang="en-IN" dirty="0"/>
-              <a:t>https://nlp.stanford.edu/projects/glove/</a:t>
-            </a:r>
           </a:p>
         </p:txBody>
       </p:sp>
@@ -1110,6 +867,27 @@
               <a:rPr lang="en-IN" dirty="0"/>
               <a:t>Huge volume of Training – Solution – Check points</a:t>
             </a:r>
+          </a:p>
+          <a:p>
+            <a:pPr marL="457200" indent="-457200">
+              <a:buAutoNum type="arabicParenR"/>
+            </a:pPr>
+            <a:endParaRPr lang="en-IN" dirty="0"/>
+          </a:p>
+          <a:p>
+            <a:pPr marL="457200" indent="-457200">
+              <a:buAutoNum type="arabicParenR"/>
+            </a:pPr>
+            <a:endParaRPr lang="en-IN" dirty="0"/>
+          </a:p>
+          <a:p>
+            <a:pPr marL="457200" indent="-457200">
+              <a:buAutoNum type="arabicParenR"/>
+            </a:pPr>
+            <a:r>
+              <a:rPr lang="en-IN" dirty="0"/>
+              <a:t>Review comment - Add some examples </a:t>
+            </a:r>
             <a:endParaRPr lang="en-US" dirty="0"/>
           </a:p>
         </p:txBody>
@@ -1117,7 +895,7 @@
     </p:spTree>
     <p:extLst>
       <p:ext uri="{BB962C8B-B14F-4D97-AF65-F5344CB8AC3E}">
-        <p14:creationId xmlns:p14="http://schemas.microsoft.com/office/powerpoint/2010/main" val="629952982"/>
+        <p14:creationId xmlns:p14="http://schemas.microsoft.com/office/powerpoint/2010/main" val="384025585"/>
       </p:ext>
     </p:extLst>
   </p:cSld>
@@ -1171,22 +949,9 @@
           <a:bodyPr/>
           <a:lstStyle/>
           <a:p>
-            <a:pPr marL="457200" indent="-457200">
-              <a:buAutoNum type="arabicParenR"/>
+            <a:pPr marL="0" indent="0">
+              <a:buNone/>
             </a:pPr>
-            <a:r>
-              <a:rPr lang="en-IN" dirty="0"/>
-              <a:t>Data processing – Missing values , non UTF8 Characters Clean up. </a:t>
-            </a:r>
-          </a:p>
-          <a:p>
-            <a:pPr marL="457200" indent="-457200">
-              <a:buAutoNum type="arabicParenR"/>
-            </a:pPr>
-            <a:r>
-              <a:rPr lang="en-IN" dirty="0"/>
-              <a:t>Huge volume of Training – Solution – Check points</a:t>
-            </a:r>
             <a:endParaRPr lang="en-US" dirty="0"/>
           </a:p>
         </p:txBody>
@@ -1194,7 +959,7 @@
     </p:spTree>
     <p:extLst>
       <p:ext uri="{BB962C8B-B14F-4D97-AF65-F5344CB8AC3E}">
-        <p14:creationId xmlns:p14="http://schemas.microsoft.com/office/powerpoint/2010/main" val="2588602604"/>
+        <p14:creationId xmlns:p14="http://schemas.microsoft.com/office/powerpoint/2010/main" val="629952982"/>
       </p:ext>
     </p:extLst>
   </p:cSld>
@@ -1271,7 +1036,7 @@
     </p:spTree>
     <p:extLst>
       <p:ext uri="{BB962C8B-B14F-4D97-AF65-F5344CB8AC3E}">
-        <p14:creationId xmlns:p14="http://schemas.microsoft.com/office/powerpoint/2010/main" val="2770403674"/>
+        <p14:creationId xmlns:p14="http://schemas.microsoft.com/office/powerpoint/2010/main" val="2588602604"/>
       </p:ext>
     </p:extLst>
   </p:cSld>
@@ -1325,73 +1090,30 @@
           <a:bodyPr/>
           <a:lstStyle/>
           <a:p>
+            <a:pPr marL="457200" indent="-457200">
+              <a:buAutoNum type="arabicParenR"/>
+            </a:pPr>
             <a:r>
               <a:rPr lang="en-IN" dirty="0"/>
-              <a:t>Extraction vs abstraction  - Abstraction Why Abstraction ? – Get Some Few sentence from </a:t>
-            </a:r>
-            <a:r>
-              <a:rPr lang="en-IN" dirty="0" err="1"/>
-              <a:t>Jythosna</a:t>
-            </a:r>
+              <a:t>Data processing – Missing values , non UTF8 Characters Clean up. </a:t>
+            </a:r>
+          </a:p>
+          <a:p>
+            <a:pPr marL="457200" indent="-457200">
+              <a:buAutoNum type="arabicParenR"/>
+            </a:pPr>
             <a:r>
               <a:rPr lang="en-IN" dirty="0"/>
-              <a:t> </a:t>
-            </a:r>
-          </a:p>
-          <a:p>
-            <a:r>
-              <a:rPr lang="en-IN" dirty="0"/>
-              <a:t>LSTM Configuration – Bi Directional for Encoding - </a:t>
-            </a:r>
-          </a:p>
-          <a:p>
-            <a:r>
-              <a:rPr lang="en-IN" dirty="0"/>
-              <a:t>List of Hyper parameters </a:t>
-            </a:r>
-          </a:p>
-          <a:p>
-            <a:r>
-              <a:rPr lang="en-IN" dirty="0"/>
-              <a:t>Batch processing and Training Stop Criteria</a:t>
-            </a:r>
-          </a:p>
-          <a:p>
-            <a:r>
-              <a:rPr lang="en-IN" dirty="0"/>
-              <a:t>Data Cleaning Consideration </a:t>
-            </a:r>
-          </a:p>
-          <a:p>
-            <a:r>
-              <a:rPr lang="en-IN" dirty="0"/>
-              <a:t>Reports for Data Summary </a:t>
-            </a:r>
-          </a:p>
-          <a:p>
-            <a:endParaRPr lang="en-IN" dirty="0"/>
-          </a:p>
-          <a:p>
-            <a:endParaRPr lang="en-IN" dirty="0"/>
-          </a:p>
-          <a:p>
-            <a:r>
-              <a:rPr lang="en-IN" sz="2200" b="0" i="0" u="none" strike="noStrike" baseline="0" dirty="0">
-                <a:latin typeface="Helvetica Neue"/>
-                <a:ea typeface="Helvetica Neue"/>
-                <a:cs typeface="Helvetica Neue"/>
-                <a:sym typeface="Helvetica Neue"/>
-              </a:rPr>
-              <a:t>4Image taken from blog, www.abigailsee.com – Presentation PDF – Page #27</a:t>
-            </a:r>
-            <a:endParaRPr lang="en-IN" dirty="0"/>
+              <a:t>Huge volume of Training – Solution – Check points</a:t>
+            </a:r>
+            <a:endParaRPr lang="en-US" dirty="0"/>
           </a:p>
         </p:txBody>
       </p:sp>
     </p:spTree>
     <p:extLst>
       <p:ext uri="{BB962C8B-B14F-4D97-AF65-F5344CB8AC3E}">
-        <p14:creationId xmlns:p14="http://schemas.microsoft.com/office/powerpoint/2010/main" val="3690666689"/>
+        <p14:creationId xmlns:p14="http://schemas.microsoft.com/office/powerpoint/2010/main" val="2770403674"/>
       </p:ext>
     </p:extLst>
   </p:cSld>
@@ -1511,7 +1233,7 @@
     </p:spTree>
     <p:extLst>
       <p:ext uri="{BB962C8B-B14F-4D97-AF65-F5344CB8AC3E}">
-        <p14:creationId xmlns:p14="http://schemas.microsoft.com/office/powerpoint/2010/main" val="1837300335"/>
+        <p14:creationId xmlns:p14="http://schemas.microsoft.com/office/powerpoint/2010/main" val="3690666689"/>
       </p:ext>
     </p:extLst>
   </p:cSld>
@@ -1631,7 +1353,7 @@
     </p:spTree>
     <p:extLst>
       <p:ext uri="{BB962C8B-B14F-4D97-AF65-F5344CB8AC3E}">
-        <p14:creationId xmlns:p14="http://schemas.microsoft.com/office/powerpoint/2010/main" val="3319758894"/>
+        <p14:creationId xmlns:p14="http://schemas.microsoft.com/office/powerpoint/2010/main" val="1837300335"/>
       </p:ext>
     </p:extLst>
   </p:cSld>
@@ -1685,28 +1407,73 @@
           <a:bodyPr/>
           <a:lstStyle/>
           <a:p>
-            <a:pPr marL="342900" indent="-342900">
-              <a:buFontTx/>
-              <a:buChar char="-"/>
-            </a:pPr>
             <a:r>
               <a:rPr lang="en-IN" dirty="0"/>
-              <a:t>Regional Language – Check with Surekha for Word embedding model </a:t>
-            </a:r>
-          </a:p>
-          <a:p>
-            <a:pPr marL="342900" indent="-342900">
-              <a:buFontTx/>
-              <a:buChar char="-"/>
-            </a:pPr>
-            <a:endParaRPr lang="en-US" dirty="0"/>
+              <a:t>Extraction vs abstraction  - Abstraction Why Abstraction ? – Get Some Few sentence from </a:t>
+            </a:r>
+            <a:r>
+              <a:rPr lang="en-IN" dirty="0" err="1"/>
+              <a:t>Jythosna</a:t>
+            </a:r>
+            <a:r>
+              <a:rPr lang="en-IN" dirty="0"/>
+              <a:t> </a:t>
+            </a:r>
+          </a:p>
+          <a:p>
+            <a:r>
+              <a:rPr lang="en-IN" dirty="0"/>
+              <a:t>LSTM Configuration – Bi Directional for Encoding - </a:t>
+            </a:r>
+          </a:p>
+          <a:p>
+            <a:r>
+              <a:rPr lang="en-IN" dirty="0"/>
+              <a:t>List of Hyper parameters </a:t>
+            </a:r>
+          </a:p>
+          <a:p>
+            <a:r>
+              <a:rPr lang="en-IN" dirty="0"/>
+              <a:t>Batch processing and Training Stop Criteria</a:t>
+            </a:r>
+          </a:p>
+          <a:p>
+            <a:r>
+              <a:rPr lang="en-IN" dirty="0"/>
+              <a:t>Data Cleaning Consideration </a:t>
+            </a:r>
+          </a:p>
+          <a:p>
+            <a:r>
+              <a:rPr lang="en-IN" dirty="0"/>
+              <a:t>Reports for Data Summary </a:t>
+            </a:r>
+          </a:p>
+          <a:p>
+            <a:endParaRPr lang="en-IN" dirty="0"/>
+          </a:p>
+          <a:p>
+            <a:endParaRPr lang="en-IN" dirty="0"/>
+          </a:p>
+          <a:p>
+            <a:r>
+              <a:rPr lang="en-IN" sz="2200" b="0" i="0" u="none" strike="noStrike" baseline="0" dirty="0">
+                <a:latin typeface="Helvetica Neue"/>
+                <a:ea typeface="Helvetica Neue"/>
+                <a:cs typeface="Helvetica Neue"/>
+                <a:sym typeface="Helvetica Neue"/>
+              </a:rPr>
+              <a:t>4Image taken from blog, www.abigailsee.com – Presentation PDF – Page #27</a:t>
+            </a:r>
+            <a:endParaRPr lang="en-IN" dirty="0"/>
           </a:p>
         </p:txBody>
       </p:sp>
     </p:spTree>
     <p:extLst>
       <p:ext uri="{BB962C8B-B14F-4D97-AF65-F5344CB8AC3E}">
-        <p14:creationId xmlns:p14="http://schemas.microsoft.com/office/powerpoint/2010/main" val="467559304"/>
+        <p14:creationId xmlns:p14="http://schemas.microsoft.com/office/powerpoint/2010/main" val="3319758894"/>
       </p:ext>
     </p:extLst>
   </p:cSld>
@@ -1760,204 +1527,28 @@
           <a:bodyPr/>
           <a:lstStyle/>
           <a:p>
-            <a:pPr marL="457200" indent="-457200">
-              <a:buAutoNum type="arabicParenR"/>
+            <a:pPr marL="342900" indent="-342900">
+              <a:buFontTx/>
+              <a:buChar char="-"/>
             </a:pPr>
             <a:r>
               <a:rPr lang="en-IN" dirty="0"/>
-              <a:t>Patent summarization – PDF – https://github.com/ajindal1/Text_Summarizer_On_Patents check with this </a:t>
-            </a:r>
-          </a:p>
-          <a:p>
-            <a:pPr marL="457200" indent="-457200">
-              <a:buAutoNum type="arabicParenR"/>
+              <a:t>Regional Language – Check with Surekha for Word embedding model </a:t>
+            </a:r>
+          </a:p>
+          <a:p>
+            <a:pPr marL="342900" indent="-342900">
+              <a:buFontTx/>
+              <a:buChar char="-"/>
             </a:pPr>
-            <a:r>
-              <a:rPr lang="en-IN" dirty="0"/>
-              <a:t>https://github.com/ajindal1/Text_Summarizer_On_Patents/blob/master/project_report/Text_Summarization_project_NLP.pdf</a:t>
-            </a:r>
-          </a:p>
-          <a:p>
-            <a:pPr marL="457200" indent="-457200">
-              <a:buAutoNum type="arabicParenR"/>
-            </a:pPr>
-            <a:endParaRPr lang="en-IN" dirty="0"/>
-          </a:p>
-          <a:p>
-            <a:pPr marL="457200" indent="-457200">
-              <a:buAutoNum type="arabicParenR"/>
-            </a:pPr>
-            <a:endParaRPr lang="en-IN" dirty="0"/>
-          </a:p>
-          <a:p>
-            <a:pPr marL="457200" indent="-457200">
-              <a:buAutoNum type="arabicParenR"/>
-            </a:pPr>
-            <a:endParaRPr lang="en-IN" dirty="0"/>
-          </a:p>
-          <a:p>
-            <a:pPr marL="457200" indent="-457200">
-              <a:buAutoNum type="arabicParenR"/>
-            </a:pPr>
-            <a:endParaRPr lang="en-IN" dirty="0"/>
-          </a:p>
-          <a:p>
-            <a:pPr marL="457200" marR="0" lvl="0" indent="-457200" defTabSz="457200" eaLnBrk="1" fontAlgn="auto" latinLnBrk="0" hangingPunct="1">
-              <a:lnSpc>
-                <a:spcPct val="117999"/>
-              </a:lnSpc>
-              <a:spcBef>
-                <a:spcPts val="0"/>
-              </a:spcBef>
-              <a:spcAft>
-                <a:spcPts val="0"/>
-              </a:spcAft>
-              <a:buClrTx/>
-              <a:buSzTx/>
-              <a:buFontTx/>
-              <a:buAutoNum type="arabicParenR"/>
-              <a:tabLst/>
-              <a:defRPr/>
-            </a:pPr>
-            <a:r>
-              <a:rPr lang="en-IN" dirty="0"/>
-              <a:t>https://aclweb.org/anthology/C18-1244 - </a:t>
-            </a:r>
-            <a:r>
-              <a:rPr lang="en-IN" sz="2200" dirty="0" err="1">
-                <a:effectLst/>
-                <a:latin typeface="Helvetica Neue"/>
-                <a:ea typeface="Helvetica Neue"/>
-                <a:cs typeface="Helvetica Neue"/>
-                <a:sym typeface="Helvetica Neue"/>
-              </a:rPr>
-              <a:t>Folksonomication</a:t>
-            </a:r>
-            <a:r>
-              <a:rPr lang="en-IN" sz="2200" dirty="0">
-                <a:effectLst/>
-                <a:latin typeface="Helvetica Neue"/>
-                <a:ea typeface="Helvetica Neue"/>
-                <a:cs typeface="Helvetica Neue"/>
-                <a:sym typeface="Helvetica Neue"/>
-              </a:rPr>
-              <a:t>: Predicting Tags for Movies from Plot Synopses Using</a:t>
-            </a:r>
-            <a:endParaRPr lang="en-IN" dirty="0"/>
-          </a:p>
-          <a:p>
-            <a:pPr marL="457200" indent="-457200">
-              <a:buAutoNum type="arabicParenR"/>
-            </a:pPr>
-            <a:r>
-              <a:rPr lang="en-IN" sz="2200" b="0" i="0" u="none" strike="noStrike" baseline="0" dirty="0">
-                <a:latin typeface="Helvetica Neue"/>
-                <a:ea typeface="Helvetica Neue"/>
-                <a:cs typeface="Helvetica Neue"/>
-                <a:sym typeface="Helvetica Neue"/>
-              </a:rPr>
-              <a:t>Predicting Movie Genres Based on Plot Summaries – Actual Paper Given in Problem Statement</a:t>
-            </a:r>
-          </a:p>
-          <a:p>
-            <a:pPr marL="457200" indent="-457200">
-              <a:buAutoNum type="arabicParenR"/>
-            </a:pPr>
-            <a:r>
-              <a:rPr lang="en-US" dirty="0"/>
-              <a:t>https://stats.stackexchange.com/questions/301626/interpreting-rouge-scores – Why Rogue Scores</a:t>
-            </a:r>
-          </a:p>
-          <a:p>
-            <a:pPr marL="457200" indent="-457200">
-              <a:buAutoNum type="arabicParenR"/>
-            </a:pPr>
-            <a:r>
-              <a:rPr lang="en-US" dirty="0"/>
-              <a:t>https://towardsdatascience.com/seq2seq-model-in-tensorflow-ec0c557e560f  - Sequence to Sequence Model Explanation </a:t>
-            </a:r>
-          </a:p>
-          <a:p>
-            <a:pPr marL="457200" indent="-457200">
-              <a:buAutoNum type="arabicParenR"/>
-            </a:pPr>
-            <a:r>
-              <a:rPr lang="en-IN" dirty="0"/>
-              <a:t>Data Set – Credits to that Kaggle Data set SRC and author</a:t>
-            </a:r>
-          </a:p>
-          <a:p>
-            <a:pPr marL="457200" indent="-457200">
-              <a:buAutoNum type="arabicParenR"/>
-            </a:pPr>
-            <a:r>
-              <a:rPr lang="en-IN" dirty="0"/>
-              <a:t>Credits for anything else ? </a:t>
-            </a:r>
-          </a:p>
-          <a:p>
-            <a:pPr marL="0" lvl="1" indent="0">
-              <a:buNone/>
-            </a:pPr>
-            <a:r>
-              <a:rPr lang="en-IN" dirty="0"/>
-              <a:t>	</a:t>
-            </a:r>
-          </a:p>
-          <a:p>
-            <a:pPr marL="457200" indent="-457200">
-              <a:buAutoNum type="arabicParenR"/>
-            </a:pPr>
-            <a:endParaRPr lang="en-IN" dirty="0"/>
-          </a:p>
-          <a:p>
-            <a:pPr marL="457200" indent="-457200">
-              <a:buAutoNum type="arabicParenR"/>
-            </a:pPr>
-            <a:endParaRPr lang="en-IN" dirty="0"/>
-          </a:p>
-          <a:p>
-            <a:pPr marL="457200" indent="-457200">
-              <a:buAutoNum type="arabicParenR"/>
-            </a:pPr>
-            <a:r>
-              <a:rPr lang="en-IN" dirty="0"/>
-              <a:t>Other Links </a:t>
-            </a:r>
-          </a:p>
-          <a:p>
-            <a:pPr marL="457200" indent="-457200">
-              <a:buAutoNum type="arabicParenR"/>
-            </a:pPr>
-            <a:r>
-              <a:rPr lang="en-IN" dirty="0"/>
-              <a:t>GIT HUB - https://github.com/JRC1995/Abstractive-Summarization/blob/master/README.md </a:t>
-            </a:r>
-          </a:p>
-          <a:p>
-            <a:pPr marL="457200" indent="-457200">
-              <a:buAutoNum type="arabicParenR"/>
-            </a:pPr>
-            <a:r>
-              <a:rPr lang="en-IN" dirty="0"/>
-              <a:t>Number Batch GIT HUB -  ? </a:t>
-            </a:r>
-          </a:p>
-          <a:p>
-            <a:pPr marL="457200" indent="-457200">
-              <a:buAutoNum type="arabicParenR"/>
-            </a:pPr>
-            <a:r>
-              <a:rPr lang="en-IN" dirty="0"/>
-              <a:t>https://nlp.stanford.edu/projects/glove/</a:t>
-            </a:r>
+            <a:endParaRPr lang="en-US" dirty="0"/>
           </a:p>
         </p:txBody>
       </p:sp>
     </p:spTree>
     <p:extLst>
       <p:ext uri="{BB962C8B-B14F-4D97-AF65-F5344CB8AC3E}">
-        <p14:creationId xmlns:p14="http://schemas.microsoft.com/office/powerpoint/2010/main" val="808070979"/>
+        <p14:creationId xmlns:p14="http://schemas.microsoft.com/office/powerpoint/2010/main" val="467559304"/>
       </p:ext>
     </p:extLst>
   </p:cSld>
@@ -3675,7 +3266,7 @@
           </a:ln>
           <a:extLst>
             <a:ext uri="{C572A759-6A51-4108-AA02-DFA0A04FC94B}">
-              <ma14:wrappingTextBoxFlag xmlns="" xmlns:m="http://schemas.openxmlformats.org/officeDocument/2006/math" xmlns:a14="http://schemas.microsoft.com/office/drawing/2010/main" xmlns:ma14="http://schemas.microsoft.com/office/mac/drawingml/2011/main" val="1"/>
+              <ma14:wrappingTextBoxFlag xmlns:ma14="http://schemas.microsoft.com/office/mac/drawingml/2011/main" xmlns:a14="http://schemas.microsoft.com/office/drawing/2010/main" xmlns:m="http://schemas.openxmlformats.org/officeDocument/2006/math" xmlns="" val="1"/>
             </a:ext>
           </a:extLst>
         </p:spPr>
@@ -3714,7 +3305,7 @@
           </a:ln>
           <a:extLst>
             <a:ext uri="{C572A759-6A51-4108-AA02-DFA0A04FC94B}">
-              <ma14:wrappingTextBoxFlag xmlns="" xmlns:m="http://schemas.openxmlformats.org/officeDocument/2006/math" xmlns:a14="http://schemas.microsoft.com/office/drawing/2010/main" xmlns:ma14="http://schemas.microsoft.com/office/mac/drawingml/2011/main" val="1"/>
+              <ma14:wrappingTextBoxFlag xmlns:ma14="http://schemas.microsoft.com/office/mac/drawingml/2011/main" xmlns:a14="http://schemas.microsoft.com/office/drawing/2010/main" xmlns:m="http://schemas.openxmlformats.org/officeDocument/2006/math" xmlns="" val="1"/>
             </a:ext>
           </a:extLst>
         </p:spPr>
@@ -4707,7 +4298,7 @@
           </a:ln>
           <a:extLst>
             <a:ext uri="{C572A759-6A51-4108-AA02-DFA0A04FC94B}">
-              <ma14:wrappingTextBoxFlag xmlns="" xmlns:m="http://schemas.openxmlformats.org/officeDocument/2006/math" xmlns:a14="http://schemas.microsoft.com/office/drawing/2010/main" xmlns:ma14="http://schemas.microsoft.com/office/mac/drawingml/2011/main" val="1"/>
+              <ma14:wrappingTextBoxFlag xmlns:ma14="http://schemas.microsoft.com/office/mac/drawingml/2011/main" xmlns:a14="http://schemas.microsoft.com/office/drawing/2010/main" xmlns:m="http://schemas.openxmlformats.org/officeDocument/2006/math" xmlns="" val="1"/>
             </a:ext>
           </a:extLst>
         </p:spPr>
@@ -4811,7 +4402,7 @@
           </a:ln>
           <a:extLst>
             <a:ext uri="{C572A759-6A51-4108-AA02-DFA0A04FC94B}">
-              <ma14:wrappingTextBoxFlag xmlns="" xmlns:m="http://schemas.openxmlformats.org/officeDocument/2006/math" xmlns:a14="http://schemas.microsoft.com/office/drawing/2010/main" xmlns:ma14="http://schemas.microsoft.com/office/mac/drawingml/2011/main" val="1"/>
+              <ma14:wrappingTextBoxFlag xmlns:ma14="http://schemas.microsoft.com/office/mac/drawingml/2011/main" xmlns:a14="http://schemas.microsoft.com/office/drawing/2010/main" xmlns:m="http://schemas.openxmlformats.org/officeDocument/2006/math" xmlns="" val="1"/>
             </a:ext>
           </a:extLst>
         </p:spPr>
@@ -5206,13 +4797,13 @@
         </p:spPr>
         <p:txBody>
           <a:bodyPr>
-            <a:normAutofit fontScale="85000" lnSpcReduction="20000"/>
+            <a:normAutofit fontScale="92500" lnSpcReduction="20000"/>
           </a:bodyPr>
           <a:lstStyle/>
           <a:p>
             <a:r>
               <a:rPr lang="en-IN" dirty="0"/>
-              <a:t>Intermediate Training Data/Weights is saved as Check points. </a:t>
+              <a:t>Word Vector Embedding . </a:t>
             </a:r>
           </a:p>
           <a:p>
@@ -5222,36 +4813,97 @@
               </a:spcBef>
             </a:pPr>
             <a:r>
+              <a:rPr lang="en-IN" dirty="0" err="1"/>
+              <a:t>Numberbatch</a:t>
+            </a:r>
+            <a:r>
               <a:rPr lang="en-IN" dirty="0"/>
-              <a:t>Can be Loaded back to system later.</a:t>
-            </a:r>
-          </a:p>
-          <a:p>
-            <a:pPr lvl="1">
+              <a:t> word embedding* is built on:</a:t>
+            </a:r>
+          </a:p>
+          <a:p>
+            <a:pPr lvl="3">
               <a:spcBef>
                 <a:spcPts val="1200"/>
               </a:spcBef>
             </a:pPr>
             <a:r>
-              <a:rPr lang="en-IN" dirty="0"/>
-              <a:t>More training data can be trained on top of existing Checkpoint.</a:t>
-            </a:r>
-          </a:p>
-          <a:p>
-            <a:pPr lvl="1">
+              <a:rPr lang="en-IN" sz="3500" dirty="0"/>
+              <a:t>    </a:t>
+            </a:r>
+            <a:r>
+              <a:rPr lang="en-IN" sz="3500" dirty="0" err="1"/>
+              <a:t>ConceptNet</a:t>
+            </a:r>
+            <a:r>
+              <a:rPr lang="en-IN" sz="3500" dirty="0"/>
+              <a:t> 5.5, </a:t>
+            </a:r>
+          </a:p>
+          <a:p>
+            <a:pPr lvl="3">
               <a:spcBef>
                 <a:spcPts val="1200"/>
               </a:spcBef>
             </a:pPr>
             <a:r>
+              <a:rPr lang="en-IN" sz="3500" dirty="0"/>
+              <a:t>    </a:t>
+            </a:r>
+            <a:r>
+              <a:rPr lang="en-IN" sz="3500" dirty="0" err="1"/>
+              <a:t>GloVe</a:t>
+            </a:r>
+            <a:r>
+              <a:rPr lang="en-IN" sz="3500" dirty="0"/>
+              <a:t>, </a:t>
+            </a:r>
+          </a:p>
+          <a:p>
+            <a:pPr lvl="3">
+              <a:spcBef>
+                <a:spcPts val="1200"/>
+              </a:spcBef>
+            </a:pPr>
+            <a:r>
+              <a:rPr lang="en-IN" sz="3500" dirty="0"/>
+              <a:t>    word2vec,</a:t>
+            </a:r>
+          </a:p>
+          <a:p>
+            <a:pPr lvl="3">
+              <a:spcBef>
+                <a:spcPts val="1200"/>
+              </a:spcBef>
+            </a:pPr>
+            <a:r>
+              <a:rPr lang="en-IN" sz="3500" dirty="0"/>
+              <a:t>    Parallel text from </a:t>
+            </a:r>
+            <a:r>
+              <a:rPr lang="en-IN" sz="3500" dirty="0" err="1"/>
+              <a:t>OpenSubtitles</a:t>
+            </a:r>
+            <a:r>
+              <a:rPr lang="en-IN" sz="3500" dirty="0"/>
+              <a:t> 2016</a:t>
+            </a:r>
+          </a:p>
+          <a:p>
+            <a:pPr lvl="3">
+              <a:spcBef>
+                <a:spcPts val="1200"/>
+              </a:spcBef>
+            </a:pPr>
+            <a:r>
+              <a:rPr lang="en-IN" sz="3500" dirty="0"/>
+              <a:t>* Refer GitHub Repository mentioned in the reference section</a:t>
+            </a:r>
+          </a:p>
+          <a:p>
+            <a:r>
               <a:rPr lang="en-IN" dirty="0"/>
-              <a:t>Saved Check point can be distributed as Binary file to others to deploy the model</a:t>
-            </a:r>
-          </a:p>
-          <a:p>
-            <a:r>
-              <a:rPr lang="en-IN" dirty="0"/>
-              <a:t>Training Stop Criteria – Add Some explanation to this </a:t>
+              <a:t> </a:t>
             </a:r>
             <a:endParaRPr lang="en-US" dirty="0"/>
           </a:p>
@@ -5260,7 +4912,7 @@
     </p:spTree>
     <p:extLst>
       <p:ext uri="{BB962C8B-B14F-4D97-AF65-F5344CB8AC3E}">
-        <p14:creationId xmlns:p14="http://schemas.microsoft.com/office/powerpoint/2010/main" val="650896835"/>
+        <p14:creationId xmlns:p14="http://schemas.microsoft.com/office/powerpoint/2010/main" val="2719930072"/>
       </p:ext>
     </p:extLst>
   </p:cSld>
@@ -5290,35 +4942,116 @@
       </p:grpSpPr>
       <p:sp>
         <p:nvSpPr>
-          <p:cNvPr id="131" name="Demo"/>
-          <p:cNvSpPr txBox="1">
+          <p:cNvPr id="2" name="Title 1">
+            <a:extLst>
+              <a:ext uri="{FF2B5EF4-FFF2-40B4-BE49-F238E27FC236}">
+                <a16:creationId xmlns:a16="http://schemas.microsoft.com/office/drawing/2014/main" id="{D6FDE9EA-2845-445F-A844-5862DEB974ED}"/>
+              </a:ext>
+            </a:extLst>
+          </p:cNvPr>
+          <p:cNvSpPr>
             <a:spLocks noGrp="1"/>
           </p:cNvSpPr>
           <p:nvPr>
             <p:ph type="title"/>
+          </p:nvPr>
+        </p:nvSpPr>
+        <p:spPr/>
+        <p:txBody>
+          <a:bodyPr>
+            <a:normAutofit/>
+          </a:bodyPr>
+          <a:lstStyle/>
+          <a:p>
+            <a:r>
+              <a:rPr lang="en-IN" sz="6000" dirty="0"/>
+              <a:t>Implementation Details , Cont.</a:t>
+            </a:r>
+            <a:endParaRPr lang="en-US" sz="6000" dirty="0"/>
+          </a:p>
+        </p:txBody>
+      </p:sp>
+      <p:sp>
+        <p:nvSpPr>
+          <p:cNvPr id="3" name="Text Placeholder 2">
+            <a:extLst>
+              <a:ext uri="{FF2B5EF4-FFF2-40B4-BE49-F238E27FC236}">
+                <a16:creationId xmlns:a16="http://schemas.microsoft.com/office/drawing/2014/main" id="{36A913D4-B6DF-44D9-83FB-C966369177D6}"/>
+              </a:ext>
+            </a:extLst>
+          </p:cNvPr>
+          <p:cNvSpPr>
+            <a:spLocks noGrp="1"/>
+          </p:cNvSpPr>
+          <p:nvPr>
+            <p:ph type="body" idx="1"/>
           </p:nvPr>
         </p:nvSpPr>
         <p:spPr>
           <a:xfrm>
-            <a:off x="355600" y="3163455"/>
-            <a:ext cx="12293600" cy="2438400"/>
+            <a:off x="355600" y="2318327"/>
+            <a:ext cx="12293600" cy="6337300"/>
           </a:xfrm>
-          <a:prstGeom prst="rect">
-            <a:avLst/>
-          </a:prstGeom>
         </p:spPr>
         <p:txBody>
-          <a:bodyPr/>
+          <a:bodyPr>
+            <a:normAutofit fontScale="85000" lnSpcReduction="20000"/>
+          </a:bodyPr>
           <a:lstStyle/>
           <a:p>
             <a:r>
-              <a:rPr dirty="0"/>
-              <a:t>Demo</a:t>
-            </a:r>
+              <a:rPr lang="en-IN" dirty="0"/>
+              <a:t>Intermediate Training Data/Weights is saved as Check points. </a:t>
+            </a:r>
+          </a:p>
+          <a:p>
+            <a:pPr lvl="1">
+              <a:spcBef>
+                <a:spcPts val="1200"/>
+              </a:spcBef>
+            </a:pPr>
+            <a:r>
+              <a:rPr lang="en-IN" dirty="0"/>
+              <a:t>Can be Loaded back to system later.</a:t>
+            </a:r>
+          </a:p>
+          <a:p>
+            <a:pPr lvl="1">
+              <a:spcBef>
+                <a:spcPts val="1200"/>
+              </a:spcBef>
+            </a:pPr>
+            <a:r>
+              <a:rPr lang="en-IN" dirty="0"/>
+              <a:t>More training data can be trained on top of existing Checkpoint.</a:t>
+            </a:r>
+          </a:p>
+          <a:p>
+            <a:pPr lvl="1">
+              <a:spcBef>
+                <a:spcPts val="1200"/>
+              </a:spcBef>
+            </a:pPr>
+            <a:r>
+              <a:rPr lang="en-IN" dirty="0"/>
+              <a:t>Saved Check point can be distributed as Binary file to others to deploy the model</a:t>
+            </a:r>
+          </a:p>
+          <a:p>
+            <a:r>
+              <a:rPr lang="en-IN" dirty="0"/>
+              <a:t>Training Stop Criteria – Add Some explanation to this </a:t>
+            </a:r>
+            <a:endParaRPr lang="en-US" dirty="0"/>
           </a:p>
         </p:txBody>
       </p:sp>
     </p:spTree>
+    <p:extLst>
+      <p:ext uri="{BB962C8B-B14F-4D97-AF65-F5344CB8AC3E}">
+        <p14:creationId xmlns:p14="http://schemas.microsoft.com/office/powerpoint/2010/main" val="650896835"/>
+      </p:ext>
+    </p:extLst>
   </p:cSld>
   <p:clrMapOvr>
     <a:masterClrMapping/>
@@ -5346,7 +5079,7 @@
       </p:grpSpPr>
       <p:sp>
         <p:nvSpPr>
-          <p:cNvPr id="134" name="Future works"/>
+          <p:cNvPr id="131" name="Demo"/>
           <p:cNvSpPr txBox="1">
             <a:spLocks noGrp="1"/>
           </p:cNvSpPr>
@@ -5355,6 +5088,10 @@
           </p:nvPr>
         </p:nvSpPr>
         <p:spPr>
+          <a:xfrm>
+            <a:off x="355600" y="3163455"/>
+            <a:ext cx="12293600" cy="2438400"/>
+          </a:xfrm>
           <a:prstGeom prst="rect">
             <a:avLst/>
           </a:prstGeom>
@@ -5364,37 +5101,9 @@
           <a:lstStyle/>
           <a:p>
             <a:r>
-              <a:t>Future works</a:t>
-            </a:r>
-          </a:p>
-        </p:txBody>
-      </p:sp>
-      <p:sp>
-        <p:nvSpPr>
-          <p:cNvPr id="135" name="Body"/>
-          <p:cNvSpPr txBox="1">
-            <a:spLocks noGrp="1"/>
-          </p:cNvSpPr>
-          <p:nvPr>
-            <p:ph type="body" idx="1"/>
-          </p:nvPr>
-        </p:nvSpPr>
-        <p:spPr>
-          <a:prstGeom prst="rect">
-            <a:avLst/>
-          </a:prstGeom>
-        </p:spPr>
-        <p:txBody>
-          <a:bodyPr/>
-          <a:lstStyle/>
-          <a:p>
-            <a:r>
-              <a:rPr lang="en-IN" dirty="0"/>
-              <a:t>To Extend this work to Indian Regional Languages</a:t>
-            </a:r>
-          </a:p>
-          <a:p>
-            <a:endParaRPr dirty="0"/>
+              <a:rPr dirty="0"/>
+              <a:t>Demo</a:t>
+            </a:r>
           </a:p>
         </p:txBody>
       </p:sp>
@@ -5426,7 +5135,7 @@
       </p:grpSpPr>
       <p:sp>
         <p:nvSpPr>
-          <p:cNvPr id="137" name="References"/>
+          <p:cNvPr id="134" name="Future works"/>
           <p:cNvSpPr txBox="1">
             <a:spLocks noGrp="1"/>
           </p:cNvSpPr>
@@ -5444,20 +5153,14 @@
           <a:lstStyle/>
           <a:p>
             <a:r>
-              <a:rPr dirty="0"/>
-              <a:t>References</a:t>
-            </a:r>
-            <a:r>
-              <a:rPr lang="en-IN" dirty="0"/>
-              <a:t> – Part 1</a:t>
-            </a:r>
-            <a:endParaRPr dirty="0"/>
+              <a:t>Future works</a:t>
+            </a:r>
           </a:p>
         </p:txBody>
       </p:sp>
       <p:sp>
         <p:nvSpPr>
-          <p:cNvPr id="138" name="Body"/>
+          <p:cNvPr id="135" name="Body"/>
           <p:cNvSpPr txBox="1">
             <a:spLocks noGrp="1"/>
           </p:cNvSpPr>
@@ -5471,46 +5174,22 @@
           </a:prstGeom>
         </p:spPr>
         <p:txBody>
-          <a:bodyPr>
-            <a:normAutofit/>
-          </a:bodyPr>
+          <a:bodyPr/>
           <a:lstStyle/>
           <a:p>
             <a:r>
-              <a:rPr lang="en-IN" sz="3200" dirty="0"/>
-              <a:t>Predicting Movie Genres Based on Plot Summaries : https://arxiv.org/pdf/1801.04813.pdf </a:t>
-            </a:r>
-          </a:p>
-          <a:p>
-            <a:r>
-              <a:rPr lang="en-IN" sz="3200" dirty="0" err="1"/>
-              <a:t>Folksonomication</a:t>
-            </a:r>
-            <a:r>
-              <a:rPr lang="en-IN" sz="3200" dirty="0"/>
-              <a:t>: Predicting Tags for Movies from Plot Synopses </a:t>
-            </a:r>
-            <a:r>
-              <a:rPr lang="en-IN" sz="3200" dirty="0" err="1"/>
-              <a:t>UsingEmotion</a:t>
-            </a:r>
-            <a:r>
-              <a:rPr lang="en-IN" sz="3200" dirty="0"/>
-              <a:t> Flow Encoded Neural Network - https://aclweb.org/anthology/C18-1244 </a:t>
-            </a:r>
-          </a:p>
-          <a:p>
-            <a:r>
-              <a:rPr lang="en-IN" sz="3200" dirty="0"/>
-              <a:t>Patent Abstract Summarization using Recurrent Neural Networks – </a:t>
-            </a:r>
-            <a:r>
-              <a:rPr lang="en-IN" sz="3200" b="1" dirty="0"/>
-              <a:t>Reference Link Missing</a:t>
-            </a:r>
-          </a:p>
-          <a:p>
-            <a:endParaRPr sz="3200" dirty="0"/>
+              <a:rPr lang="en-IN" dirty="0"/>
+              <a:t>To Extend this work to Indian Regional Languages</a:t>
+            </a:r>
+          </a:p>
+          <a:p>
+            <a:r>
+              <a:rPr lang="en-IN" dirty="0"/>
+              <a:t>Challenge with Language Corpus</a:t>
+            </a:r>
+          </a:p>
+          <a:p>
+            <a:endParaRPr dirty="0"/>
           </a:p>
         </p:txBody>
       </p:sp>
@@ -5565,7 +5244,7 @@
             </a:r>
             <a:r>
               <a:rPr lang="en-IN" dirty="0"/>
-              <a:t> – Part 2</a:t>
+              <a:t> – Part 1</a:t>
             </a:r>
             <a:endParaRPr dirty="0"/>
           </a:p>
@@ -5588,54 +5267,66 @@
         </p:spPr>
         <p:txBody>
           <a:bodyPr>
-            <a:normAutofit/>
+            <a:normAutofit lnSpcReduction="10000"/>
           </a:bodyPr>
           <a:lstStyle/>
           <a:p>
             <a:r>
               <a:rPr lang="en-IN" sz="3200" dirty="0"/>
-              <a:t>Data Source:</a:t>
-            </a:r>
-          </a:p>
-          <a:p>
+              <a:t>Predicting Movie Genres Based on Plot Summaries by Quan Hoang : https://arxiv.org/pdf/1801.04813.pdf </a:t>
+            </a:r>
+          </a:p>
+          <a:p>
+            <a:r>
+              <a:rPr lang="en-IN" sz="3200" dirty="0" err="1"/>
+              <a:t>Folksonomication</a:t>
+            </a:r>
             <a:r>
               <a:rPr lang="en-IN" sz="3200" dirty="0"/>
-              <a:t>Found in Kaggle - </a:t>
-            </a:r>
-            <a:r>
-              <a:rPr lang="en-IN" sz="3200" dirty="0">
-                <a:hlinkClick r:id="rId3"/>
-              </a:rPr>
-              <a:t>https://www.kaggle.com/rounakbanik/the-movies-dataset</a:t>
-            </a:r>
-            <a:endParaRPr lang="en-IN" sz="3200" dirty="0"/>
-          </a:p>
-          <a:p>
+              <a:t>: Predicting Tags for Movies from Plot Synopses </a:t>
+            </a:r>
+            <a:r>
+              <a:rPr lang="en-IN" sz="3200" dirty="0" err="1"/>
+              <a:t>UsingEmotion</a:t>
+            </a:r>
             <a:r>
               <a:rPr lang="en-IN" sz="3200" dirty="0"/>
-              <a:t>Filename : movies_metadata.csv </a:t>
-            </a:r>
-          </a:p>
-          <a:p>
+              <a:t> Flow Encoded Neural Network by Sudipta Kar, Suraj </a:t>
+            </a:r>
+            <a:r>
+              <a:rPr lang="en-IN" sz="3200" dirty="0" err="1"/>
+              <a:t>Maharjan</a:t>
+            </a:r>
             <a:r>
               <a:rPr lang="en-IN" sz="3200" dirty="0"/>
-              <a:t>Concept Net Number batch – https://github.com/commonsense/conceptnet-numberbatch</a:t>
+              <a:t> and  Thamar Solorio - https://aclweb.org/anthology/C18-1244 </a:t>
             </a:r>
           </a:p>
           <a:p>
             <a:r>
               <a:rPr lang="en-IN" sz="3200" dirty="0"/>
-              <a:t>Glove -  https://nlp.stanford.edu/projects/glove/</a:t>
+              <a:t>Patent Abstract Summarization using Recurrent Neural Networks by Abhishek </a:t>
+            </a:r>
+            <a:r>
+              <a:rPr lang="en-IN" sz="3200" dirty="0" err="1"/>
+              <a:t>Jindal,Chirag</a:t>
+            </a:r>
+            <a:r>
+              <a:rPr lang="en-IN" sz="3200" dirty="0"/>
+              <a:t> Choudhary and Nile </a:t>
+            </a:r>
+            <a:r>
+              <a:rPr lang="en-IN" sz="3200" dirty="0" err="1"/>
+              <a:t>Hanov</a:t>
+            </a:r>
+            <a:r>
+              <a:rPr lang="en-IN" sz="3200" dirty="0"/>
+              <a:t> –https://github.com/ajindal1/Text_Summarizer_On_Patents/blob/master/project_report/Text_Summarization_project_NLP.pdf</a:t>
             </a:r>
           </a:p>
         </p:txBody>
       </p:sp>
     </p:spTree>
-    <p:extLst>
-      <p:ext uri="{BB962C8B-B14F-4D97-AF65-F5344CB8AC3E}">
-        <p14:creationId xmlns:p14="http://schemas.microsoft.com/office/powerpoint/2010/main" val="2487797710"/>
-      </p:ext>
-    </p:extLst>
   </p:cSld>
   <p:clrMapOvr>
     <a:masterClrMapping/>
@@ -5686,7 +5377,7 @@
             </a:r>
             <a:r>
               <a:rPr lang="en-IN" dirty="0"/>
-              <a:t> – Part 3</a:t>
+              <a:t> – Part 2</a:t>
             </a:r>
             <a:endParaRPr dirty="0"/>
           </a:p>
@@ -5714,40 +5405,81 @@
           <a:lstStyle/>
           <a:p>
             <a:r>
-              <a:rPr lang="en-IN" sz="2800" dirty="0"/>
-              <a:t>Why We used Rouge scores : </a:t>
-            </a:r>
-            <a:r>
-              <a:rPr lang="en-IN" sz="2800" dirty="0">
+              <a:rPr lang="en-IN" sz="3200" dirty="0"/>
+              <a:t>Data Source:</a:t>
+            </a:r>
+          </a:p>
+          <a:p>
+            <a:pPr lvl="1">
+              <a:spcBef>
+                <a:spcPts val="1200"/>
+              </a:spcBef>
+              <a:buFont typeface="Wingdings" panose="05000000000000000000" pitchFamily="2" charset="2"/>
+              <a:buChar char="q"/>
+            </a:pPr>
+            <a:r>
+              <a:rPr lang="en-IN" sz="3200" dirty="0"/>
+              <a:t>Found in Kaggle - </a:t>
+            </a:r>
+            <a:r>
+              <a:rPr lang="en-IN" sz="3200" dirty="0">
                 <a:hlinkClick r:id="rId3"/>
               </a:rPr>
-              <a:t>https://stats.stackexchange.com/questions/301626/interpreting-rouge-scores</a:t>
-            </a:r>
-            <a:endParaRPr lang="en-IN" sz="2800" dirty="0"/>
-          </a:p>
-          <a:p>
-            <a:r>
-              <a:rPr lang="en-IN" sz="2800" dirty="0"/>
-              <a:t>RNN – Sequence to Sequence Model : </a:t>
-            </a:r>
-            <a:r>
-              <a:rPr lang="en-IN" sz="2800" dirty="0">
+              <a:t>https://www.kaggle.com/rounakbanik/the-movies-dataset</a:t>
+            </a:r>
+            <a:endParaRPr lang="en-IN" sz="3200" dirty="0"/>
+          </a:p>
+          <a:p>
+            <a:pPr lvl="1">
+              <a:spcBef>
+                <a:spcPts val="1200"/>
+              </a:spcBef>
+              <a:buFont typeface="Wingdings" panose="05000000000000000000" pitchFamily="2" charset="2"/>
+              <a:buChar char="q"/>
+            </a:pPr>
+            <a:r>
+              <a:rPr lang="en-IN" sz="3200" dirty="0"/>
+              <a:t>Filename : movies_metadata.csv </a:t>
+            </a:r>
+          </a:p>
+          <a:p>
+            <a:r>
+              <a:rPr lang="en-IN" sz="3200" dirty="0"/>
+              <a:t>Concept Net Number batch – </a:t>
+            </a:r>
+            <a:r>
+              <a:rPr lang="en-IN" sz="3200" dirty="0">
                 <a:hlinkClick r:id="rId4"/>
               </a:rPr>
-              <a:t>https://towardsdatascience.com/seq2seq-model-in-tensorflow-ec0c557e560f</a:t>
-            </a:r>
-            <a:r>
-              <a:rPr lang="en-IN" sz="2800" dirty="0"/>
-              <a:t>   </a:t>
-            </a:r>
-            <a:endParaRPr sz="2800" dirty="0"/>
+              <a:t>https://github.com/commonsense/conceptnet-numberbatch</a:t>
+            </a:r>
+            <a:r>
+              <a:rPr lang="en-IN" sz="3200" dirty="0"/>
+              <a:t> </a:t>
+            </a:r>
+          </a:p>
+          <a:p>
+            <a:r>
+              <a:rPr lang="en-IN" sz="3200" dirty="0"/>
+              <a:t>Glove -  </a:t>
+            </a:r>
+            <a:r>
+              <a:rPr lang="en-IN" sz="3200" dirty="0">
+                <a:hlinkClick r:id="rId5"/>
+              </a:rPr>
+              <a:t>https://nlp.stanford.edu/projects/glove/</a:t>
+            </a:r>
+            <a:r>
+              <a:rPr lang="en-IN" sz="3200" dirty="0"/>
+              <a:t> </a:t>
+            </a:r>
           </a:p>
         </p:txBody>
       </p:sp>
     </p:spTree>
     <p:extLst>
       <p:ext uri="{BB962C8B-B14F-4D97-AF65-F5344CB8AC3E}">
-        <p14:creationId xmlns:p14="http://schemas.microsoft.com/office/powerpoint/2010/main" val="3945616721"/>
+        <p14:creationId xmlns:p14="http://schemas.microsoft.com/office/powerpoint/2010/main" val="2487797710"/>
       </p:ext>
     </p:extLst>
   </p:cSld>
@@ -5777,6 +5509,136 @@
       </p:grpSpPr>
       <p:sp>
         <p:nvSpPr>
+          <p:cNvPr id="137" name="References"/>
+          <p:cNvSpPr txBox="1">
+            <a:spLocks noGrp="1"/>
+          </p:cNvSpPr>
+          <p:nvPr>
+            <p:ph type="title"/>
+          </p:nvPr>
+        </p:nvSpPr>
+        <p:spPr>
+          <a:prstGeom prst="rect">
+            <a:avLst/>
+          </a:prstGeom>
+        </p:spPr>
+        <p:txBody>
+          <a:bodyPr/>
+          <a:lstStyle/>
+          <a:p>
+            <a:r>
+              <a:rPr dirty="0"/>
+              <a:t>References</a:t>
+            </a:r>
+            <a:r>
+              <a:rPr lang="en-IN" dirty="0"/>
+              <a:t> – Part 3</a:t>
+            </a:r>
+            <a:endParaRPr dirty="0"/>
+          </a:p>
+        </p:txBody>
+      </p:sp>
+      <p:sp>
+        <p:nvSpPr>
+          <p:cNvPr id="138" name="Body"/>
+          <p:cNvSpPr txBox="1">
+            <a:spLocks noGrp="1"/>
+          </p:cNvSpPr>
+          <p:nvPr>
+            <p:ph type="body" idx="1"/>
+          </p:nvPr>
+        </p:nvSpPr>
+        <p:spPr>
+          <a:prstGeom prst="rect">
+            <a:avLst/>
+          </a:prstGeom>
+        </p:spPr>
+        <p:txBody>
+          <a:bodyPr>
+            <a:normAutofit/>
+          </a:bodyPr>
+          <a:lstStyle/>
+          <a:p>
+            <a:r>
+              <a:rPr lang="en-IN" sz="2800" dirty="0"/>
+              <a:t>Rouge Score: </a:t>
+            </a:r>
+            <a:r>
+              <a:rPr lang="en-IN" sz="2800" dirty="0">
+                <a:hlinkClick r:id="rId3"/>
+              </a:rPr>
+              <a:t>https://stats.stackexchange.com/questions/301626/interpreting-rouge-scores</a:t>
+            </a:r>
+            <a:endParaRPr lang="en-IN" sz="2800" dirty="0"/>
+          </a:p>
+          <a:p>
+            <a:r>
+              <a:rPr lang="en-IN" sz="2800" dirty="0"/>
+              <a:t>Performance metrics - </a:t>
+            </a:r>
+            <a:r>
+              <a:rPr lang="en-IN" sz="2800" dirty="0">
+                <a:hlinkClick r:id="rId4"/>
+              </a:rPr>
+              <a:t>https://nlpprogress.com/english/summarization.html</a:t>
+            </a:r>
+            <a:r>
+              <a:rPr lang="en-IN" sz="2800" dirty="0"/>
+              <a:t> </a:t>
+            </a:r>
+          </a:p>
+          <a:p>
+            <a:r>
+              <a:rPr lang="en-IN" sz="2800" dirty="0"/>
+              <a:t>RNN – Sequence to Sequence Model : </a:t>
+            </a:r>
+            <a:r>
+              <a:rPr lang="en-IN" sz="2800" dirty="0">
+                <a:hlinkClick r:id="rId5"/>
+              </a:rPr>
+              <a:t>https://towardsdatascience.com/seq2seq-model-in-tensorflow-ec0c557e560f</a:t>
+            </a:r>
+            <a:r>
+              <a:rPr lang="en-IN" sz="2800" dirty="0"/>
+              <a:t> </a:t>
+            </a:r>
+            <a:endParaRPr sz="2800" dirty="0"/>
+          </a:p>
+        </p:txBody>
+      </p:sp>
+    </p:spTree>
+    <p:extLst>
+      <p:ext uri="{BB962C8B-B14F-4D97-AF65-F5344CB8AC3E}">
+        <p14:creationId xmlns:p14="http://schemas.microsoft.com/office/powerpoint/2010/main" val="3945616721"/>
+      </p:ext>
+    </p:extLst>
+  </p:cSld>
+  <p:clrMapOvr>
+    <a:masterClrMapping/>
+  </p:clrMapOvr>
+  <p:transition spd="med"/>
+</p:sld>
+</file>
+
+<file path=ppt/slides/slide17.xml><?xml version="1.0" encoding="utf-8"?>
+<p:sld xmlns:a="http://schemas.openxmlformats.org/drawingml/2006/main" xmlns:r="http://schemas.openxmlformats.org/officeDocument/2006/relationships" xmlns:p="http://schemas.openxmlformats.org/presentationml/2006/main">
+  <p:cSld>
+    <p:spTree>
+      <p:nvGrpSpPr>
+        <p:cNvPr id="1" name=""/>
+        <p:cNvGrpSpPr/>
+        <p:nvPr/>
+      </p:nvGrpSpPr>
+      <p:grpSpPr>
+        <a:xfrm>
+          <a:off x="0" y="0"/>
+          <a:ext cx="0" cy="0"/>
+          <a:chOff x="0" y="0"/>
+          <a:chExt cx="0" cy="0"/>
+        </a:xfrm>
+      </p:grpSpPr>
+      <p:sp>
+        <p:nvSpPr>
           <p:cNvPr id="140" name="Thank you!"/>
           <p:cNvSpPr txBox="1"/>
           <p:nvPr/>
@@ -5794,7 +5656,7 @@
           </a:ln>
           <a:extLst>
             <a:ext uri="{C572A759-6A51-4108-AA02-DFA0A04FC94B}">
-              <ma14:wrappingTextBoxFlag xmlns="" xmlns:m="http://schemas.openxmlformats.org/officeDocument/2006/math" xmlns:a14="http://schemas.microsoft.com/office/drawing/2010/main" xmlns:ma14="http://schemas.microsoft.com/office/mac/drawingml/2011/main" val="1"/>
+              <ma14:wrappingTextBoxFlag xmlns:ma14="http://schemas.microsoft.com/office/mac/drawingml/2011/main" xmlns:a14="http://schemas.microsoft.com/office/drawing/2010/main" xmlns:m="http://schemas.openxmlformats.org/officeDocument/2006/math" xmlns="" val="1"/>
             </a:ext>
           </a:extLst>
         </p:spPr>
@@ -5873,6 +5735,10 @@
           </p:nvPr>
         </p:nvSpPr>
         <p:spPr>
+          <a:xfrm>
+            <a:off x="355600" y="1727200"/>
+            <a:ext cx="12293600" cy="6299200"/>
+          </a:xfrm>
           <a:prstGeom prst="rect">
             <a:avLst/>
           </a:prstGeom>
@@ -5881,9 +5747,43 @@
           <a:bodyPr/>
           <a:lstStyle/>
           <a:p>
+            <a:pPr lvl="1">
+              <a:buFont typeface="Wingdings" panose="05000000000000000000" pitchFamily="2" charset="2"/>
+              <a:buChar char="q"/>
+            </a:pPr>
             <a:r>
               <a:rPr lang="en-IN" dirty="0"/>
-              <a:t>***Discuss with others before arriving </a:t>
+              <a:t>To predict the tagline of a movie from given text synopsis. </a:t>
+            </a:r>
+          </a:p>
+          <a:p>
+            <a:pPr lvl="1">
+              <a:buFont typeface="Wingdings" panose="05000000000000000000" pitchFamily="2" charset="2"/>
+              <a:buChar char="q"/>
+            </a:pPr>
+            <a:r>
+              <a:rPr lang="en-IN" dirty="0"/>
+              <a:t>NLP Problem </a:t>
+            </a:r>
+          </a:p>
+          <a:p>
+            <a:pPr lvl="1">
+              <a:buFont typeface="Wingdings" panose="05000000000000000000" pitchFamily="2" charset="2"/>
+              <a:buChar char="q"/>
+            </a:pPr>
+            <a:r>
+              <a:rPr lang="en-IN" dirty="0"/>
+              <a:t>Abstractive Summarization</a:t>
+            </a:r>
+          </a:p>
+          <a:p>
+            <a:pPr lvl="1">
+              <a:buFont typeface="Wingdings" panose="05000000000000000000" pitchFamily="2" charset="2"/>
+              <a:buChar char="q"/>
+            </a:pPr>
+            <a:r>
+              <a:rPr lang="en-IN" dirty="0"/>
+              <a:t>Our Approach</a:t>
             </a:r>
             <a:endParaRPr dirty="0"/>
           </a:p>
@@ -6063,7 +5963,7 @@
         </p:nvSpPr>
         <p:spPr>
           <a:xfrm>
-            <a:off x="1041399" y="2086265"/>
+            <a:off x="979054" y="2065483"/>
             <a:ext cx="12293600" cy="6299200"/>
           </a:xfrm>
         </p:spPr>
@@ -6091,7 +5991,7 @@
             </a:r>
             <a:r>
               <a:rPr lang="en-US" sz="3600" dirty="0"/>
-              <a:t>issing values</a:t>
+              <a:t>issing values (Either in Plot Synopsis or Movie tagline)</a:t>
             </a:r>
           </a:p>
           <a:p>
@@ -6105,7 +6005,7 @@
             </a:r>
             <a:r>
               <a:rPr lang="en-US" sz="3600" dirty="0"/>
-              <a:t>on UTF8 Text contents</a:t>
+              <a:t>on UTF8 Text contents ( such as tm or copyright symbols etc.)</a:t>
             </a:r>
           </a:p>
           <a:p>
@@ -6119,7 +6019,7 @@
             </a:r>
             <a:r>
               <a:rPr lang="en-US" sz="3600" dirty="0"/>
-              <a:t>on English Text Contents</a:t>
+              <a:t>on English Text Contents ( Text written in regional Language fonts which are not a English char)</a:t>
             </a:r>
             <a:endParaRPr lang="en-IN" sz="3600" dirty="0"/>
           </a:p>
@@ -6179,83 +6079,46 @@
           <a:p>
             <a:r>
               <a:rPr lang="en-IN" dirty="0"/>
-              <a:t>Challenges – Cont.</a:t>
+              <a:t>Challenges</a:t>
             </a:r>
             <a:endParaRPr lang="en-US" dirty="0"/>
           </a:p>
         </p:txBody>
       </p:sp>
-      <p:sp>
-        <p:nvSpPr>
-          <p:cNvPr id="3" name="Text Placeholder 2">
+      <p:pic>
+        <p:nvPicPr>
+          <p:cNvPr id="4" name="Picture 3">
             <a:extLst>
               <a:ext uri="{FF2B5EF4-FFF2-40B4-BE49-F238E27FC236}">
-                <a16:creationId xmlns:a16="http://schemas.microsoft.com/office/drawing/2014/main" id="{33CB349F-6D55-4F5A-BE4B-C8BE9E73D6C6}"/>
+                <a16:creationId xmlns:a16="http://schemas.microsoft.com/office/drawing/2014/main" id="{FF96FEA3-6ED3-4E78-92FA-3E1971F6108C}"/>
               </a:ext>
             </a:extLst>
           </p:cNvPr>
-          <p:cNvSpPr>
-            <a:spLocks noGrp="1"/>
-          </p:cNvSpPr>
-          <p:nvPr>
-            <p:ph type="body" idx="1"/>
-          </p:nvPr>
-        </p:nvSpPr>
+          <p:cNvPicPr>
+            <a:picLocks noChangeAspect="1"/>
+          </p:cNvPicPr>
+          <p:nvPr/>
+        </p:nvPicPr>
+        <p:blipFill>
+          <a:blip r:embed="rId3"/>
+          <a:stretch>
+            <a:fillRect/>
+          </a:stretch>
+        </p:blipFill>
         <p:spPr>
           <a:xfrm>
-            <a:off x="355600" y="2418774"/>
-            <a:ext cx="12293600" cy="6299200"/>
+            <a:off x="1040432" y="3117273"/>
+            <a:ext cx="10923935" cy="4885190"/>
           </a:xfrm>
+          <a:prstGeom prst="rect">
+            <a:avLst/>
+          </a:prstGeom>
         </p:spPr>
-        <p:txBody>
-          <a:bodyPr/>
-          <a:lstStyle/>
-          <a:p>
-            <a:pPr marL="0" indent="0">
-              <a:buNone/>
-            </a:pPr>
-            <a:r>
-              <a:rPr lang="en-IN" dirty="0"/>
-              <a:t>Training Model:</a:t>
-            </a:r>
-            <a:endParaRPr lang="en-US" dirty="0"/>
-          </a:p>
-          <a:p>
-            <a:pPr lvl="1">
-              <a:buFont typeface="Arial" panose="020B0604020202020204" pitchFamily="34" charset="0"/>
-              <a:buChar char="•"/>
-            </a:pPr>
-            <a:r>
-              <a:rPr lang="en-IN" sz="3600" dirty="0"/>
-              <a:t>Huge Volume of data to be processed </a:t>
-            </a:r>
-          </a:p>
-          <a:p>
-            <a:pPr lvl="1">
-              <a:buFont typeface="Arial" panose="020B0604020202020204" pitchFamily="34" charset="0"/>
-              <a:buChar char="•"/>
-            </a:pPr>
-            <a:r>
-              <a:rPr lang="en-IN" sz="3600" dirty="0"/>
-              <a:t>Computation complexity leads to Long hours of training</a:t>
-            </a:r>
-          </a:p>
-          <a:p>
-            <a:pPr lvl="1">
-              <a:buFont typeface="Arial" panose="020B0604020202020204" pitchFamily="34" charset="0"/>
-              <a:buChar char="•"/>
-            </a:pPr>
-            <a:r>
-              <a:rPr lang="en-IN" sz="3600" dirty="0"/>
-              <a:t>Risk of Losing training data while executing training for long hours – Alternatively we used Checkpoints to save progress of the training.</a:t>
-            </a:r>
-          </a:p>
-        </p:txBody>
-      </p:sp>
+      </p:pic>
     </p:spTree>
     <p:extLst>
       <p:ext uri="{BB962C8B-B14F-4D97-AF65-F5344CB8AC3E}">
-        <p14:creationId xmlns:p14="http://schemas.microsoft.com/office/powerpoint/2010/main" val="2193991988"/>
+        <p14:creationId xmlns:p14="http://schemas.microsoft.com/office/powerpoint/2010/main" val="2119057865"/>
       </p:ext>
     </p:extLst>
   </p:cSld>
@@ -6330,7 +6193,7 @@
         </p:nvSpPr>
         <p:spPr>
           <a:xfrm>
-            <a:off x="355600" y="1920010"/>
+            <a:off x="355600" y="2418774"/>
             <a:ext cx="12293600" cy="6299200"/>
           </a:xfrm>
         </p:spPr>
@@ -6343,7 +6206,7 @@
             </a:pPr>
             <a:r>
               <a:rPr lang="en-IN" dirty="0"/>
-              <a:t>Unknown words in Data set:</a:t>
+              <a:t>Training Model:</a:t>
             </a:r>
             <a:endParaRPr lang="en-US" dirty="0"/>
           </a:p>
@@ -6354,15 +6217,7 @@
             </a:pPr>
             <a:r>
               <a:rPr lang="en-IN" sz="3600" dirty="0"/>
-              <a:t>There is always possibility of getting a Unknown word which is not part of word embedding matrix which we created.  </a:t>
-            </a:r>
-            <a:r>
-              <a:rPr lang="en-IN" sz="3600" dirty="0" err="1"/>
-              <a:t>i.e</a:t>
-            </a:r>
-            <a:r>
-              <a:rPr lang="en-IN" sz="3600" dirty="0"/>
-              <a:t> Out of Vocabulary Words</a:t>
+              <a:t>Huge Volume of data to be processed </a:t>
             </a:r>
           </a:p>
           <a:p>
@@ -6372,23 +6227,17 @@
             </a:pPr>
             <a:r>
               <a:rPr lang="en-IN" sz="3600" dirty="0"/>
-              <a:t>Examples : Name of Characters in the movie  like </a:t>
-            </a:r>
-            <a:r>
-              <a:rPr lang="en-IN" sz="3600" dirty="0" err="1"/>
-              <a:t>Sivagami</a:t>
-            </a:r>
+              <a:t>Computation complexity leads to Long hours of training</a:t>
+            </a:r>
+          </a:p>
+          <a:p>
+            <a:pPr lvl="1">
+              <a:buFont typeface="Arial" panose="020B0604020202020204" pitchFamily="34" charset="0"/>
+              <a:buChar char="•"/>
+            </a:pPr>
             <a:r>
               <a:rPr lang="en-IN" sz="3600" dirty="0"/>
-              <a:t>, </a:t>
-            </a:r>
-            <a:r>
-              <a:rPr lang="en-IN" sz="3600" dirty="0" err="1"/>
-              <a:t>Baahubali</a:t>
-            </a:r>
-            <a:r>
-              <a:rPr lang="en-IN" sz="3600" dirty="0"/>
-              <a:t> etc.</a:t>
+              <a:t>Risk of Losing training data while executing training for long hours – Alternatively we used Checkpoints to save progress of the training.</a:t>
             </a:r>
           </a:p>
         </p:txBody>
@@ -6396,7 +6245,7 @@
     </p:spTree>
     <p:extLst>
       <p:ext uri="{BB962C8B-B14F-4D97-AF65-F5344CB8AC3E}">
-        <p14:creationId xmlns:p14="http://schemas.microsoft.com/office/powerpoint/2010/main" val="1059196121"/>
+        <p14:creationId xmlns:p14="http://schemas.microsoft.com/office/powerpoint/2010/main" val="2193991988"/>
       </p:ext>
     </p:extLst>
   </p:cSld>
@@ -6484,7 +6333,7 @@
             </a:pPr>
             <a:r>
               <a:rPr lang="en-IN" dirty="0"/>
-              <a:t>Training Model:</a:t>
+              <a:t>Unknown words in Data set:</a:t>
             </a:r>
             <a:endParaRPr lang="en-US" dirty="0"/>
           </a:p>
@@ -6495,7 +6344,15 @@
             </a:pPr>
             <a:r>
               <a:rPr lang="en-IN" sz="3600" dirty="0"/>
-              <a:t>Huge Volume of data to be processed </a:t>
+              <a:t>There is always possibility of getting a Unknown word which is not part of word embedding matrix which we created.  </a:t>
+            </a:r>
+            <a:r>
+              <a:rPr lang="en-IN" sz="3600" dirty="0" err="1"/>
+              <a:t>i.e</a:t>
+            </a:r>
+            <a:r>
+              <a:rPr lang="en-IN" sz="3600" dirty="0"/>
+              <a:t> Out of Vocabulary Words</a:t>
             </a:r>
           </a:p>
           <a:p>
@@ -6505,17 +6362,23 @@
             </a:pPr>
             <a:r>
               <a:rPr lang="en-IN" sz="3600" dirty="0"/>
-              <a:t>Computation complexity leads to Long hours of training</a:t>
-            </a:r>
-          </a:p>
-          <a:p>
-            <a:pPr lvl="1">
-              <a:buFont typeface="Arial" panose="020B0604020202020204" pitchFamily="34" charset="0"/>
-              <a:buChar char="•"/>
-            </a:pPr>
+              <a:t>Examples : Name of Characters in the movie  like </a:t>
+            </a:r>
+            <a:r>
+              <a:rPr lang="en-IN" sz="3600" dirty="0" err="1"/>
+              <a:t>Sivagami</a:t>
+            </a:r>
             <a:r>
               <a:rPr lang="en-IN" sz="3600" dirty="0"/>
-              <a:t>Risk of Losing training data while executing training for long hours – Alternatively we used Checkpoints to save progress of the training.</a:t>
+              <a:t>, </a:t>
+            </a:r>
+            <a:r>
+              <a:rPr lang="en-IN" sz="3600" dirty="0" err="1"/>
+              <a:t>Baahubali</a:t>
+            </a:r>
+            <a:r>
+              <a:rPr lang="en-IN" sz="3600" dirty="0"/>
+              <a:t> etc.</a:t>
             </a:r>
           </a:p>
         </p:txBody>
@@ -6523,7 +6386,7 @@
     </p:spTree>
     <p:extLst>
       <p:ext uri="{BB962C8B-B14F-4D97-AF65-F5344CB8AC3E}">
-        <p14:creationId xmlns:p14="http://schemas.microsoft.com/office/powerpoint/2010/main" val="979349770"/>
+        <p14:creationId xmlns:p14="http://schemas.microsoft.com/office/powerpoint/2010/main" val="1059196121"/>
       </p:ext>
     </p:extLst>
   </p:cSld>
@@ -6556,7 +6419,7 @@
           <p:cNvPr id="2" name="Title 1">
             <a:extLst>
               <a:ext uri="{FF2B5EF4-FFF2-40B4-BE49-F238E27FC236}">
-                <a16:creationId xmlns:a16="http://schemas.microsoft.com/office/drawing/2014/main" id="{D6FDE9EA-2845-445F-A844-5862DEB974ED}"/>
+                <a16:creationId xmlns:a16="http://schemas.microsoft.com/office/drawing/2014/main" id="{7364876D-1AFB-4389-A5D2-3A5378ACD5B2}"/>
               </a:ext>
             </a:extLst>
           </p:cNvPr>
@@ -6574,7 +6437,7 @@
           <a:p>
             <a:r>
               <a:rPr lang="en-IN" dirty="0"/>
-              <a:t>Implementation Details</a:t>
+              <a:t>Challenges – Cont.</a:t>
             </a:r>
             <a:endParaRPr lang="en-US" dirty="0"/>
           </a:p>
@@ -6585,7 +6448,7 @@
           <p:cNvPr id="3" name="Text Placeholder 2">
             <a:extLst>
               <a:ext uri="{FF2B5EF4-FFF2-40B4-BE49-F238E27FC236}">
-                <a16:creationId xmlns:a16="http://schemas.microsoft.com/office/drawing/2014/main" id="{36A913D4-B6DF-44D9-83FB-C966369177D6}"/>
+                <a16:creationId xmlns:a16="http://schemas.microsoft.com/office/drawing/2014/main" id="{33CB349F-6D55-4F5A-BE4B-C8BE9E73D6C6}"/>
               </a:ext>
             </a:extLst>
           </p:cNvPr>
@@ -6596,28 +6459,53 @@
             <p:ph type="body" idx="1"/>
           </p:nvPr>
         </p:nvSpPr>
-        <p:spPr/>
+        <p:spPr>
+          <a:xfrm>
+            <a:off x="355600" y="1920010"/>
+            <a:ext cx="12293600" cy="6299200"/>
+          </a:xfrm>
+        </p:spPr>
         <p:txBody>
-          <a:bodyPr>
-            <a:normAutofit/>
-          </a:bodyPr>
+          <a:bodyPr/>
           <a:lstStyle/>
           <a:p>
+            <a:pPr marL="0" indent="0">
+              <a:buNone/>
+            </a:pPr>
             <a:r>
               <a:rPr lang="en-IN" dirty="0"/>
-              <a:t>Bi Directional – Encoder decoder LSTM </a:t>
-            </a:r>
-          </a:p>
-          <a:p>
-            <a:r>
-              <a:rPr lang="en-IN" dirty="0"/>
-              <a:t>TensorFlow based implementation.</a:t>
-            </a:r>
-          </a:p>
-          <a:p>
-            <a:r>
-              <a:rPr lang="en-IN" dirty="0"/>
-              <a:t>Batch processing of Data</a:t>
+              <a:t>Training Model:</a:t>
+            </a:r>
+            <a:endParaRPr lang="en-US" dirty="0"/>
+          </a:p>
+          <a:p>
+            <a:pPr lvl="1">
+              <a:buFont typeface="Arial" panose="020B0604020202020204" pitchFamily="34" charset="0"/>
+              <a:buChar char="•"/>
+            </a:pPr>
+            <a:r>
+              <a:rPr lang="en-IN" sz="3600" dirty="0"/>
+              <a:t>Huge Volume of data to be processed </a:t>
+            </a:r>
+          </a:p>
+          <a:p>
+            <a:pPr lvl="1">
+              <a:buFont typeface="Arial" panose="020B0604020202020204" pitchFamily="34" charset="0"/>
+              <a:buChar char="•"/>
+            </a:pPr>
+            <a:r>
+              <a:rPr lang="en-IN" sz="3600" dirty="0"/>
+              <a:t>Computation complexity leads to Long hours of training</a:t>
+            </a:r>
+          </a:p>
+          <a:p>
+            <a:pPr lvl="1">
+              <a:buFont typeface="Arial" panose="020B0604020202020204" pitchFamily="34" charset="0"/>
+              <a:buChar char="•"/>
+            </a:pPr>
+            <a:r>
+              <a:rPr lang="en-IN" sz="3600" dirty="0"/>
+              <a:t>Risk of Losing training data while executing training for long hours – Alternatively we used Checkpoints to save progress of the training.</a:t>
             </a:r>
           </a:p>
         </p:txBody>
@@ -6625,7 +6513,7 @@
     </p:spTree>
     <p:extLst>
       <p:ext uri="{BB962C8B-B14F-4D97-AF65-F5344CB8AC3E}">
-        <p14:creationId xmlns:p14="http://schemas.microsoft.com/office/powerpoint/2010/main" val="2533286546"/>
+        <p14:creationId xmlns:p14="http://schemas.microsoft.com/office/powerpoint/2010/main" val="979349770"/>
       </p:ext>
     </p:extLst>
   </p:cSld>
@@ -6671,16 +6559,14 @@
         </p:nvSpPr>
         <p:spPr/>
         <p:txBody>
-          <a:bodyPr>
-            <a:normAutofit/>
-          </a:bodyPr>
+          <a:bodyPr/>
           <a:lstStyle/>
           <a:p>
             <a:r>
-              <a:rPr lang="en-IN" sz="6000" dirty="0"/>
-              <a:t>Implementation Details , Cont.</a:t>
-            </a:r>
-            <a:endParaRPr lang="en-US" sz="6000" dirty="0"/>
+              <a:rPr lang="en-IN" dirty="0"/>
+              <a:t>Implementation Details</a:t>
+            </a:r>
+            <a:endParaRPr lang="en-US" dirty="0"/>
           </a:p>
         </p:txBody>
       </p:sp>
@@ -6700,130 +6586,36 @@
             <p:ph type="body" idx="1"/>
           </p:nvPr>
         </p:nvSpPr>
-        <p:spPr>
-          <a:xfrm>
-            <a:off x="355600" y="2318327"/>
-            <a:ext cx="12293600" cy="6337300"/>
-          </a:xfrm>
-        </p:spPr>
+        <p:spPr/>
         <p:txBody>
           <a:bodyPr>
-            <a:normAutofit fontScale="92500" lnSpcReduction="20000"/>
+            <a:normAutofit/>
           </a:bodyPr>
           <a:lstStyle/>
           <a:p>
             <a:r>
               <a:rPr lang="en-IN" dirty="0"/>
-              <a:t>Word Vector Embedding . </a:t>
-            </a:r>
-          </a:p>
-          <a:p>
-            <a:pPr lvl="1">
-              <a:spcBef>
-                <a:spcPts val="1200"/>
-              </a:spcBef>
-            </a:pPr>
-            <a:r>
-              <a:rPr lang="en-IN" dirty="0" err="1"/>
-              <a:t>Numberbatch</a:t>
-            </a:r>
+              <a:t>Bi Directional – Encoder decoder LSTM </a:t>
+            </a:r>
+          </a:p>
+          <a:p>
             <a:r>
               <a:rPr lang="en-IN" dirty="0"/>
-              <a:t> word embedding* is built on:</a:t>
-            </a:r>
-          </a:p>
-          <a:p>
-            <a:pPr lvl="3">
-              <a:spcBef>
-                <a:spcPts val="1200"/>
-              </a:spcBef>
-            </a:pPr>
-            <a:r>
-              <a:rPr lang="en-IN" sz="3500" dirty="0"/>
-              <a:t>    </a:t>
-            </a:r>
-            <a:r>
-              <a:rPr lang="en-IN" sz="3500" dirty="0" err="1"/>
-              <a:t>ConceptNet</a:t>
-            </a:r>
-            <a:r>
-              <a:rPr lang="en-IN" sz="3500" dirty="0"/>
-              <a:t> 5.5, </a:t>
-            </a:r>
-          </a:p>
-          <a:p>
-            <a:pPr lvl="3">
-              <a:spcBef>
-                <a:spcPts val="1200"/>
-              </a:spcBef>
-            </a:pPr>
-            <a:r>
-              <a:rPr lang="en-IN" sz="3500" dirty="0"/>
-              <a:t>    </a:t>
-            </a:r>
-            <a:r>
-              <a:rPr lang="en-IN" sz="3500" dirty="0" err="1"/>
-              <a:t>GloVe</a:t>
-            </a:r>
-            <a:r>
-              <a:rPr lang="en-IN" sz="3500" dirty="0"/>
-              <a:t>, </a:t>
-            </a:r>
-          </a:p>
-          <a:p>
-            <a:pPr lvl="3">
-              <a:spcBef>
-                <a:spcPts val="1200"/>
-              </a:spcBef>
-            </a:pPr>
-            <a:r>
-              <a:rPr lang="en-IN" sz="3500" dirty="0"/>
-              <a:t>    word2vec,</a:t>
-            </a:r>
-          </a:p>
-          <a:p>
-            <a:pPr lvl="3">
-              <a:spcBef>
-                <a:spcPts val="1200"/>
-              </a:spcBef>
-            </a:pPr>
-            <a:r>
-              <a:rPr lang="en-IN" sz="3500" dirty="0"/>
-              <a:t>    Parallel text from </a:t>
-            </a:r>
-            <a:r>
-              <a:rPr lang="en-IN" sz="3500" dirty="0" err="1"/>
-              <a:t>OpenSubtitles</a:t>
-            </a:r>
-            <a:r>
-              <a:rPr lang="en-IN" sz="3500" dirty="0"/>
-              <a:t> 2016</a:t>
-            </a:r>
-          </a:p>
-          <a:p>
-            <a:pPr lvl="3">
-              <a:spcBef>
-                <a:spcPts val="1200"/>
-              </a:spcBef>
-            </a:pPr>
-            <a:r>
-              <a:rPr lang="en-IN" sz="3500" dirty="0"/>
-              <a:t>* Refer GitHub Repository mentioned in the reference section</a:t>
+              <a:t>TensorFlow based implementation.</a:t>
             </a:r>
           </a:p>
           <a:p>
             <a:r>
               <a:rPr lang="en-IN" dirty="0"/>
-              <a:t> </a:t>
-            </a:r>
-            <a:endParaRPr lang="en-US" dirty="0"/>
+              <a:t>Batch processing of Data</a:t>
+            </a:r>
           </a:p>
         </p:txBody>
       </p:sp>
     </p:spTree>
     <p:extLst>
       <p:ext uri="{BB962C8B-B14F-4D97-AF65-F5344CB8AC3E}">
-        <p14:creationId xmlns:p14="http://schemas.microsoft.com/office/powerpoint/2010/main" val="2719930072"/>
+        <p14:creationId xmlns:p14="http://schemas.microsoft.com/office/powerpoint/2010/main" val="2533286546"/>
       </p:ext>
     </p:extLst>
   </p:cSld>
